--- a/guided/figs/activedebugging_figs.pptx
+++ b/guided/figs/activedebugging_figs.pptx
@@ -6,6 +6,10 @@
   </p:sldMasterIdLst>
   <p:sldIdLst>
     <p:sldId id="256" r:id="rId2"/>
+    <p:sldId id="257" r:id="rId3"/>
+    <p:sldId id="258" r:id="rId4"/>
+    <p:sldId id="259" r:id="rId5"/>
+    <p:sldId id="260" r:id="rId6"/>
   </p:sldIdLst>
   <p:sldSz cx="9144000" cy="6858000" type="screen4x3"/>
   <p:notesSz cx="6858000" cy="9144000"/>
@@ -288,7 +292,7 @@
           <a:p>
             <a:fld id="{05CA7FC0-0DB2-0642-85C4-1931F9809314}" type="datetimeFigureOut">
               <a:rPr lang="en-US" smtClean="0"/>
-              <a:t>12/11/16</a:t>
+              <a:t>12/18/16</a:t>
             </a:fld>
             <a:endParaRPr lang="en-US"/>
           </a:p>
@@ -458,7 +462,7 @@
           <a:p>
             <a:fld id="{05CA7FC0-0DB2-0642-85C4-1931F9809314}" type="datetimeFigureOut">
               <a:rPr lang="en-US" smtClean="0"/>
-              <a:t>12/11/16</a:t>
+              <a:t>12/18/16</a:t>
             </a:fld>
             <a:endParaRPr lang="en-US"/>
           </a:p>
@@ -638,7 +642,7 @@
           <a:p>
             <a:fld id="{05CA7FC0-0DB2-0642-85C4-1931F9809314}" type="datetimeFigureOut">
               <a:rPr lang="en-US" smtClean="0"/>
-              <a:t>12/11/16</a:t>
+              <a:t>12/18/16</a:t>
             </a:fld>
             <a:endParaRPr lang="en-US"/>
           </a:p>
@@ -808,7 +812,7 @@
           <a:p>
             <a:fld id="{05CA7FC0-0DB2-0642-85C4-1931F9809314}" type="datetimeFigureOut">
               <a:rPr lang="en-US" smtClean="0"/>
-              <a:t>12/11/16</a:t>
+              <a:t>12/18/16</a:t>
             </a:fld>
             <a:endParaRPr lang="en-US"/>
           </a:p>
@@ -1054,7 +1058,7 @@
           <a:p>
             <a:fld id="{05CA7FC0-0DB2-0642-85C4-1931F9809314}" type="datetimeFigureOut">
               <a:rPr lang="en-US" smtClean="0"/>
-              <a:t>12/11/16</a:t>
+              <a:t>12/18/16</a:t>
             </a:fld>
             <a:endParaRPr lang="en-US"/>
           </a:p>
@@ -1342,7 +1346,7 @@
           <a:p>
             <a:fld id="{05CA7FC0-0DB2-0642-85C4-1931F9809314}" type="datetimeFigureOut">
               <a:rPr lang="en-US" smtClean="0"/>
-              <a:t>12/11/16</a:t>
+              <a:t>12/18/16</a:t>
             </a:fld>
             <a:endParaRPr lang="en-US"/>
           </a:p>
@@ -1764,7 +1768,7 @@
           <a:p>
             <a:fld id="{05CA7FC0-0DB2-0642-85C4-1931F9809314}" type="datetimeFigureOut">
               <a:rPr lang="en-US" smtClean="0"/>
-              <a:t>12/11/16</a:t>
+              <a:t>12/18/16</a:t>
             </a:fld>
             <a:endParaRPr lang="en-US"/>
           </a:p>
@@ -1882,7 +1886,7 @@
           <a:p>
             <a:fld id="{05CA7FC0-0DB2-0642-85C4-1931F9809314}" type="datetimeFigureOut">
               <a:rPr lang="en-US" smtClean="0"/>
-              <a:t>12/11/16</a:t>
+              <a:t>12/18/16</a:t>
             </a:fld>
             <a:endParaRPr lang="en-US"/>
           </a:p>
@@ -1977,7 +1981,7 @@
           <a:p>
             <a:fld id="{05CA7FC0-0DB2-0642-85C4-1931F9809314}" type="datetimeFigureOut">
               <a:rPr lang="en-US" smtClean="0"/>
-              <a:t>12/11/16</a:t>
+              <a:t>12/18/16</a:t>
             </a:fld>
             <a:endParaRPr lang="en-US"/>
           </a:p>
@@ -2254,7 +2258,7 @@
           <a:p>
             <a:fld id="{05CA7FC0-0DB2-0642-85C4-1931F9809314}" type="datetimeFigureOut">
               <a:rPr lang="en-US" smtClean="0"/>
-              <a:t>12/11/16</a:t>
+              <a:t>12/18/16</a:t>
             </a:fld>
             <a:endParaRPr lang="en-US"/>
           </a:p>
@@ -2507,7 +2511,7 @@
           <a:p>
             <a:fld id="{05CA7FC0-0DB2-0642-85C4-1931F9809314}" type="datetimeFigureOut">
               <a:rPr lang="en-US" smtClean="0"/>
-              <a:t>12/11/16</a:t>
+              <a:t>12/18/16</a:t>
             </a:fld>
             <a:endParaRPr lang="en-US"/>
           </a:p>
@@ -2720,7 +2724,7 @@
           <a:p>
             <a:fld id="{05CA7FC0-0DB2-0642-85C4-1931F9809314}" type="datetimeFigureOut">
               <a:rPr lang="en-US" smtClean="0"/>
-              <a:t>12/11/16</a:t>
+              <a:t>12/18/16</a:t>
             </a:fld>
             <a:endParaRPr lang="en-US"/>
           </a:p>
@@ -3166,6 +3170,17 @@
           <a:prstGeom prst="downArrow">
             <a:avLst/>
           </a:prstGeom>
+          <a:solidFill>
+            <a:schemeClr val="bg2">
+              <a:lumMod val="75000"/>
+            </a:schemeClr>
+          </a:solidFill>
+          <a:ln>
+            <a:solidFill>
+              <a:schemeClr val="tx1"/>
+            </a:solidFill>
+          </a:ln>
+          <a:effectLst/>
         </p:spPr>
         <p:style>
           <a:lnRef idx="1">
@@ -3261,6 +3276,16 @@
           <a:prstGeom prst="cloud">
             <a:avLst/>
           </a:prstGeom>
+          <a:solidFill>
+            <a:schemeClr val="bg2">
+              <a:lumMod val="75000"/>
+            </a:schemeClr>
+          </a:solidFill>
+          <a:ln>
+            <a:solidFill>
+              <a:schemeClr val="tx1"/>
+            </a:solidFill>
+          </a:ln>
         </p:spPr>
         <p:style>
           <a:lnRef idx="1">
@@ -3322,6 +3347,17 @@
           <a:prstGeom prst="downArrow">
             <a:avLst/>
           </a:prstGeom>
+          <a:solidFill>
+            <a:schemeClr val="bg2">
+              <a:lumMod val="75000"/>
+            </a:schemeClr>
+          </a:solidFill>
+          <a:ln>
+            <a:solidFill>
+              <a:schemeClr val="tx1"/>
+            </a:solidFill>
+          </a:ln>
+          <a:effectLst/>
         </p:spPr>
         <p:style>
           <a:lnRef idx="1">
@@ -3360,6 +3396,17 @@
           <a:prstGeom prst="downArrow">
             <a:avLst/>
           </a:prstGeom>
+          <a:solidFill>
+            <a:schemeClr val="bg2">
+              <a:lumMod val="75000"/>
+            </a:schemeClr>
+          </a:solidFill>
+          <a:ln>
+            <a:solidFill>
+              <a:schemeClr val="tx1"/>
+            </a:solidFill>
+          </a:ln>
+          <a:effectLst/>
         </p:spPr>
         <p:style>
           <a:lnRef idx="1">
@@ -3455,6 +3502,17 @@
           <a:prstGeom prst="downArrow">
             <a:avLst/>
           </a:prstGeom>
+          <a:solidFill>
+            <a:schemeClr val="bg2">
+              <a:lumMod val="75000"/>
+            </a:schemeClr>
+          </a:solidFill>
+          <a:ln>
+            <a:solidFill>
+              <a:schemeClr val="tx1"/>
+            </a:solidFill>
+          </a:ln>
+          <a:effectLst/>
         </p:spPr>
         <p:style>
           <a:lnRef idx="1">
@@ -3625,10 +3683,80 @@
           </a:p>
           <a:p>
             <a:r>
-              <a:rPr lang="en-US" sz="1200" i="1" smtClean="0"/>
+              <a:rPr lang="en-US" sz="1200" i="1" dirty="0" smtClean="0"/>
               <a:t>Record Phase</a:t>
             </a:r>
             <a:endParaRPr lang="en-US" sz="1200" i="1" dirty="0"/>
+          </a:p>
+        </p:txBody>
+      </p:sp>
+      <p:cxnSp>
+        <p:nvCxnSpPr>
+          <p:cNvPr id="27" name="Curved Connector 26"/>
+          <p:cNvCxnSpPr/>
+          <p:nvPr/>
+        </p:nvCxnSpPr>
+        <p:spPr>
+          <a:xfrm rot="10800000">
+            <a:off x="3691107" y="1780313"/>
+            <a:ext cx="3212688" cy="673045"/>
+          </a:xfrm>
+          <a:prstGeom prst="curvedConnector3">
+            <a:avLst>
+              <a:gd name="adj1" fmla="val 57771"/>
+            </a:avLst>
+          </a:prstGeom>
+          <a:ln>
+            <a:solidFill>
+              <a:schemeClr val="tx1"/>
+            </a:solidFill>
+            <a:tailEnd type="arrow"/>
+          </a:ln>
+          <a:effectLst/>
+        </p:spPr>
+        <p:style>
+          <a:lnRef idx="2">
+            <a:schemeClr val="accent1"/>
+          </a:lnRef>
+          <a:fillRef idx="0">
+            <a:schemeClr val="accent1"/>
+          </a:fillRef>
+          <a:effectRef idx="1">
+            <a:schemeClr val="accent1"/>
+          </a:effectRef>
+          <a:fontRef idx="minor">
+            <a:schemeClr val="tx1"/>
+          </a:fontRef>
+        </p:style>
+      </p:cxnSp>
+      <p:sp>
+        <p:nvSpPr>
+          <p:cNvPr id="28" name="TextBox 27"/>
+          <p:cNvSpPr txBox="1"/>
+          <p:nvPr/>
+        </p:nvSpPr>
+        <p:spPr>
+          <a:xfrm rot="1466820">
+            <a:off x="4559938" y="1617703"/>
+            <a:ext cx="1541414" cy="369332"/>
+          </a:xfrm>
+          <a:prstGeom prst="rect">
+            <a:avLst/>
+          </a:prstGeom>
+          <a:noFill/>
+        </p:spPr>
+        <p:txBody>
+          <a:bodyPr wrap="square" rtlCol="0">
+            <a:spAutoFit/>
+          </a:bodyPr>
+          <a:lstStyle/>
+          <a:p>
+            <a:pPr algn="ctr"/>
+            <a:r>
+              <a:rPr lang="en-US" dirty="0" smtClean="0"/>
+              <a:t>Overflow</a:t>
+            </a:r>
+            <a:endParaRPr lang="en-US" dirty="0"/>
           </a:p>
         </p:txBody>
       </p:sp>
@@ -3636,6 +3764,1909 @@
     <p:extLst>
       <p:ext uri="{BB962C8B-B14F-4D97-AF65-F5344CB8AC3E}">
         <p14:creationId xmlns:p14="http://schemas.microsoft.com/office/powerpoint/2010/main" val="2975302408"/>
+      </p:ext>
+    </p:extLst>
+  </p:cSld>
+  <p:clrMapOvr>
+    <a:masterClrMapping/>
+  </p:clrMapOvr>
+</p:sld>
+</file>
+
+<file path=ppt/slides/slide2.xml><?xml version="1.0" encoding="utf-8"?>
+<p:sld xmlns:a="http://schemas.openxmlformats.org/drawingml/2006/main" xmlns:r="http://schemas.openxmlformats.org/officeDocument/2006/relationships" xmlns:p="http://schemas.openxmlformats.org/presentationml/2006/main">
+  <p:cSld>
+    <p:spTree>
+      <p:nvGrpSpPr>
+        <p:cNvPr id="1" name=""/>
+        <p:cNvGrpSpPr/>
+        <p:nvPr/>
+      </p:nvGrpSpPr>
+      <p:grpSpPr>
+        <a:xfrm>
+          <a:off x="0" y="0"/>
+          <a:ext cx="0" cy="0"/>
+          <a:chOff x="0" y="0"/>
+          <a:chExt cx="0" cy="0"/>
+        </a:xfrm>
+      </p:grpSpPr>
+      <p:pic>
+        <p:nvPicPr>
+          <p:cNvPr id="4" name="Picture 3"/>
+          <p:cNvPicPr>
+            <a:picLocks noChangeAspect="1"/>
+          </p:cNvPicPr>
+          <p:nvPr/>
+        </p:nvPicPr>
+        <p:blipFill>
+          <a:blip r:embed="rId2"/>
+          <a:stretch>
+            <a:fillRect/>
+          </a:stretch>
+        </p:blipFill>
+        <p:spPr>
+          <a:xfrm>
+            <a:off x="1092200" y="1638300"/>
+            <a:ext cx="6946900" cy="3581400"/>
+          </a:xfrm>
+          <a:prstGeom prst="rect">
+            <a:avLst/>
+          </a:prstGeom>
+        </p:spPr>
+      </p:pic>
+    </p:spTree>
+    <p:extLst>
+      <p:ext uri="{BB962C8B-B14F-4D97-AF65-F5344CB8AC3E}">
+        <p14:creationId xmlns:p14="http://schemas.microsoft.com/office/powerpoint/2010/main" val="3604296493"/>
+      </p:ext>
+    </p:extLst>
+  </p:cSld>
+  <p:clrMapOvr>
+    <a:masterClrMapping/>
+  </p:clrMapOvr>
+</p:sld>
+</file>
+
+<file path=ppt/slides/slide3.xml><?xml version="1.0" encoding="utf-8"?>
+<p:sld xmlns:a="http://schemas.openxmlformats.org/drawingml/2006/main" xmlns:r="http://schemas.openxmlformats.org/officeDocument/2006/relationships" xmlns:p="http://schemas.openxmlformats.org/presentationml/2006/main">
+  <p:cSld>
+    <p:spTree>
+      <p:nvGrpSpPr>
+        <p:cNvPr id="1" name=""/>
+        <p:cNvGrpSpPr/>
+        <p:nvPr/>
+      </p:nvGrpSpPr>
+      <p:grpSpPr>
+        <a:xfrm>
+          <a:off x="0" y="0"/>
+          <a:ext cx="0" cy="0"/>
+          <a:chOff x="0" y="0"/>
+          <a:chExt cx="0" cy="0"/>
+        </a:xfrm>
+      </p:grpSpPr>
+      <p:pic>
+        <p:nvPicPr>
+          <p:cNvPr id="4" name="Picture 3"/>
+          <p:cNvPicPr>
+            <a:picLocks noChangeAspect="1"/>
+          </p:cNvPicPr>
+          <p:nvPr/>
+        </p:nvPicPr>
+        <p:blipFill>
+          <a:blip r:embed="rId2"/>
+          <a:stretch>
+            <a:fillRect/>
+          </a:stretch>
+        </p:blipFill>
+        <p:spPr>
+          <a:xfrm>
+            <a:off x="1559395" y="673045"/>
+            <a:ext cx="5512617" cy="5699169"/>
+          </a:xfrm>
+          <a:prstGeom prst="rect">
+            <a:avLst/>
+          </a:prstGeom>
+        </p:spPr>
+      </p:pic>
+    </p:spTree>
+    <p:extLst>
+      <p:ext uri="{BB962C8B-B14F-4D97-AF65-F5344CB8AC3E}">
+        <p14:creationId xmlns:p14="http://schemas.microsoft.com/office/powerpoint/2010/main" val="3032059650"/>
+      </p:ext>
+    </p:extLst>
+  </p:cSld>
+  <p:clrMapOvr>
+    <a:masterClrMapping/>
+  </p:clrMapOvr>
+</p:sld>
+</file>
+
+<file path=ppt/slides/slide4.xml><?xml version="1.0" encoding="utf-8"?>
+<p:sld xmlns:a="http://schemas.openxmlformats.org/drawingml/2006/main" xmlns:r="http://schemas.openxmlformats.org/officeDocument/2006/relationships" xmlns:p="http://schemas.openxmlformats.org/presentationml/2006/main">
+  <p:cSld>
+    <p:spTree>
+      <p:nvGrpSpPr>
+        <p:cNvPr id="1" name=""/>
+        <p:cNvGrpSpPr/>
+        <p:nvPr/>
+      </p:nvGrpSpPr>
+      <p:grpSpPr>
+        <a:xfrm>
+          <a:off x="0" y="0"/>
+          <a:ext cx="0" cy="0"/>
+          <a:chOff x="0" y="0"/>
+          <a:chExt cx="0" cy="0"/>
+        </a:xfrm>
+      </p:grpSpPr>
+      <p:pic>
+        <p:nvPicPr>
+          <p:cNvPr id="3" name="Picture 2"/>
+          <p:cNvPicPr>
+            <a:picLocks noChangeAspect="1"/>
+          </p:cNvPicPr>
+          <p:nvPr/>
+        </p:nvPicPr>
+        <p:blipFill>
+          <a:blip r:embed="rId2"/>
+          <a:stretch>
+            <a:fillRect/>
+          </a:stretch>
+        </p:blipFill>
+        <p:spPr>
+          <a:xfrm>
+            <a:off x="2248563" y="1064038"/>
+            <a:ext cx="1913630" cy="1570725"/>
+          </a:xfrm>
+          <a:prstGeom prst="rect">
+            <a:avLst/>
+          </a:prstGeom>
+        </p:spPr>
+      </p:pic>
+      <p:cxnSp>
+        <p:nvCxnSpPr>
+          <p:cNvPr id="4" name="Straight Arrow Connector 3"/>
+          <p:cNvCxnSpPr/>
+          <p:nvPr/>
+        </p:nvCxnSpPr>
+        <p:spPr>
+          <a:xfrm>
+            <a:off x="4241426" y="1923781"/>
+            <a:ext cx="1140188" cy="0"/>
+          </a:xfrm>
+          <a:prstGeom prst="straightConnector1">
+            <a:avLst/>
+          </a:prstGeom>
+          <a:ln>
+            <a:solidFill>
+              <a:schemeClr val="tx1"/>
+            </a:solidFill>
+            <a:tailEnd type="arrow"/>
+          </a:ln>
+          <a:effectLst/>
+        </p:spPr>
+        <p:style>
+          <a:lnRef idx="2">
+            <a:schemeClr val="accent1"/>
+          </a:lnRef>
+          <a:fillRef idx="0">
+            <a:schemeClr val="accent1"/>
+          </a:fillRef>
+          <a:effectRef idx="1">
+            <a:schemeClr val="accent1"/>
+          </a:effectRef>
+          <a:fontRef idx="minor">
+            <a:schemeClr val="tx1"/>
+          </a:fontRef>
+        </p:style>
+      </p:cxnSp>
+      <p:cxnSp>
+        <p:nvCxnSpPr>
+          <p:cNvPr id="5" name="Straight Arrow Connector 4"/>
+          <p:cNvCxnSpPr/>
+          <p:nvPr/>
+        </p:nvCxnSpPr>
+        <p:spPr>
+          <a:xfrm>
+            <a:off x="7184463" y="3226925"/>
+            <a:ext cx="0" cy="435663"/>
+          </a:xfrm>
+          <a:prstGeom prst="straightConnector1">
+            <a:avLst/>
+          </a:prstGeom>
+          <a:ln>
+            <a:solidFill>
+              <a:schemeClr val="tx1"/>
+            </a:solidFill>
+            <a:tailEnd type="arrow"/>
+          </a:ln>
+          <a:effectLst/>
+        </p:spPr>
+        <p:style>
+          <a:lnRef idx="2">
+            <a:schemeClr val="accent1"/>
+          </a:lnRef>
+          <a:fillRef idx="0">
+            <a:schemeClr val="accent1"/>
+          </a:fillRef>
+          <a:effectRef idx="1">
+            <a:schemeClr val="accent1"/>
+          </a:effectRef>
+          <a:fontRef idx="minor">
+            <a:schemeClr val="tx1"/>
+          </a:fontRef>
+        </p:style>
+      </p:cxnSp>
+      <p:cxnSp>
+        <p:nvCxnSpPr>
+          <p:cNvPr id="6" name="Straight Arrow Connector 5"/>
+          <p:cNvCxnSpPr/>
+          <p:nvPr/>
+        </p:nvCxnSpPr>
+        <p:spPr>
+          <a:xfrm flipH="1">
+            <a:off x="4102631" y="4718192"/>
+            <a:ext cx="1503137" cy="0"/>
+          </a:xfrm>
+          <a:prstGeom prst="straightConnector1">
+            <a:avLst/>
+          </a:prstGeom>
+          <a:ln>
+            <a:solidFill>
+              <a:schemeClr val="tx1"/>
+            </a:solidFill>
+            <a:tailEnd type="arrow"/>
+          </a:ln>
+          <a:effectLst/>
+        </p:spPr>
+        <p:style>
+          <a:lnRef idx="2">
+            <a:schemeClr val="accent1"/>
+          </a:lnRef>
+          <a:fillRef idx="0">
+            <a:schemeClr val="accent1"/>
+          </a:fillRef>
+          <a:effectRef idx="1">
+            <a:schemeClr val="accent1"/>
+          </a:effectRef>
+          <a:fontRef idx="minor">
+            <a:schemeClr val="tx1"/>
+          </a:fontRef>
+        </p:style>
+      </p:cxnSp>
+      <p:cxnSp>
+        <p:nvCxnSpPr>
+          <p:cNvPr id="8" name="Straight Arrow Connector 7"/>
+          <p:cNvCxnSpPr/>
+          <p:nvPr/>
+        </p:nvCxnSpPr>
+        <p:spPr>
+          <a:xfrm flipH="1" flipV="1">
+            <a:off x="1500336" y="3797312"/>
+            <a:ext cx="336222" cy="255828"/>
+          </a:xfrm>
+          <a:prstGeom prst="straightConnector1">
+            <a:avLst/>
+          </a:prstGeom>
+          <a:ln>
+            <a:solidFill>
+              <a:schemeClr val="tx1"/>
+            </a:solidFill>
+            <a:tailEnd type="arrow"/>
+          </a:ln>
+          <a:effectLst/>
+        </p:spPr>
+        <p:style>
+          <a:lnRef idx="2">
+            <a:schemeClr val="accent1"/>
+          </a:lnRef>
+          <a:fillRef idx="0">
+            <a:schemeClr val="accent1"/>
+          </a:fillRef>
+          <a:effectRef idx="1">
+            <a:schemeClr val="accent1"/>
+          </a:effectRef>
+          <a:fontRef idx="minor">
+            <a:schemeClr val="tx1"/>
+          </a:fontRef>
+        </p:style>
+      </p:cxnSp>
+      <p:sp>
+        <p:nvSpPr>
+          <p:cNvPr id="9" name="TextBox 8"/>
+          <p:cNvSpPr txBox="1"/>
+          <p:nvPr/>
+        </p:nvSpPr>
+        <p:spPr>
+          <a:xfrm>
+            <a:off x="2307810" y="2730641"/>
+            <a:ext cx="2041095" cy="584776"/>
+          </a:xfrm>
+          <a:prstGeom prst="rect">
+            <a:avLst/>
+          </a:prstGeom>
+          <a:noFill/>
+        </p:spPr>
+        <p:txBody>
+          <a:bodyPr wrap="square" lIns="91354" tIns="45678" rIns="91354" bIns="45678" rtlCol="0">
+            <a:spAutoFit/>
+          </a:bodyPr>
+          <a:lstStyle/>
+          <a:p>
+            <a:pPr algn="ctr"/>
+            <a:r>
+              <a:rPr lang="en-US" sz="1600" dirty="0"/>
+              <a:t>Enterprise/SOA Systems</a:t>
+            </a:r>
+          </a:p>
+        </p:txBody>
+      </p:sp>
+      <p:sp>
+        <p:nvSpPr>
+          <p:cNvPr id="10" name="TextBox 9"/>
+          <p:cNvSpPr txBox="1"/>
+          <p:nvPr/>
+        </p:nvSpPr>
+        <p:spPr>
+          <a:xfrm>
+            <a:off x="6439114" y="2888370"/>
+            <a:ext cx="1414202" cy="338554"/>
+          </a:xfrm>
+          <a:prstGeom prst="rect">
+            <a:avLst/>
+          </a:prstGeom>
+          <a:noFill/>
+        </p:spPr>
+        <p:txBody>
+          <a:bodyPr wrap="square" lIns="91354" tIns="45678" rIns="91354" bIns="45678" rtlCol="0">
+            <a:spAutoFit/>
+          </a:bodyPr>
+          <a:lstStyle/>
+          <a:p>
+            <a:pPr algn="ctr"/>
+            <a:r>
+              <a:rPr lang="en-US" sz="1600" dirty="0"/>
+              <a:t>Monitoring</a:t>
+            </a:r>
+            <a:endParaRPr lang="en-US" sz="1400" dirty="0"/>
+          </a:p>
+        </p:txBody>
+      </p:sp>
+      <p:grpSp>
+        <p:nvGrpSpPr>
+          <p:cNvPr id="11" name="Group 10"/>
+          <p:cNvGrpSpPr/>
+          <p:nvPr/>
+        </p:nvGrpSpPr>
+        <p:grpSpPr>
+          <a:xfrm>
+            <a:off x="5605767" y="1085614"/>
+            <a:ext cx="3185419" cy="1550665"/>
+            <a:chOff x="5526382" y="1267858"/>
+            <a:chExt cx="3185419" cy="1550665"/>
+          </a:xfrm>
+        </p:grpSpPr>
+        <p:grpSp>
+          <p:nvGrpSpPr>
+            <p:cNvPr id="23" name="Group 22"/>
+            <p:cNvGrpSpPr/>
+            <p:nvPr/>
+          </p:nvGrpSpPr>
+          <p:grpSpPr>
+            <a:xfrm>
+              <a:off x="5526382" y="1267858"/>
+              <a:ext cx="3185419" cy="1550665"/>
+              <a:chOff x="3824845" y="1240531"/>
+              <a:chExt cx="3898683" cy="1550665"/>
+            </a:xfrm>
+          </p:grpSpPr>
+          <p:sp>
+            <p:nvSpPr>
+              <p:cNvPr id="25" name="Rounded Rectangle 24"/>
+              <p:cNvSpPr/>
+              <p:nvPr/>
+            </p:nvSpPr>
+            <p:spPr>
+              <a:xfrm>
+                <a:off x="3824845" y="1240531"/>
+                <a:ext cx="3898683" cy="1550665"/>
+              </a:xfrm>
+              <a:prstGeom prst="roundRect">
+                <a:avLst/>
+              </a:prstGeom>
+              <a:solidFill>
+                <a:schemeClr val="bg1">
+                  <a:lumMod val="85000"/>
+                  <a:alpha val="47000"/>
+                </a:schemeClr>
+              </a:solidFill>
+              <a:ln>
+                <a:solidFill>
+                  <a:schemeClr val="tx1"/>
+                </a:solidFill>
+                <a:prstDash val="sysDot"/>
+              </a:ln>
+              <a:effectLst/>
+            </p:spPr>
+            <p:style>
+              <a:lnRef idx="1">
+                <a:schemeClr val="accent1"/>
+              </a:lnRef>
+              <a:fillRef idx="3">
+                <a:schemeClr val="accent1"/>
+              </a:fillRef>
+              <a:effectRef idx="2">
+                <a:schemeClr val="accent1"/>
+              </a:effectRef>
+              <a:fontRef idx="minor">
+                <a:schemeClr val="lt1"/>
+              </a:fontRef>
+            </p:style>
+            <p:txBody>
+              <a:bodyPr rtlCol="0" anchor="ctr"/>
+              <a:lstStyle/>
+              <a:p>
+                <a:pPr algn="ctr"/>
+                <a:endParaRPr lang="en-US"/>
+              </a:p>
+            </p:txBody>
+          </p:sp>
+          <p:pic>
+            <p:nvPicPr>
+              <p:cNvPr id="26" name="Picture 25"/>
+              <p:cNvPicPr>
+                <a:picLocks noChangeAspect="1"/>
+              </p:cNvPicPr>
+              <p:nvPr/>
+            </p:nvPicPr>
+            <p:blipFill>
+              <a:blip r:embed="rId3"/>
+              <a:stretch>
+                <a:fillRect/>
+              </a:stretch>
+            </p:blipFill>
+            <p:spPr>
+              <a:xfrm>
+                <a:off x="4041305" y="1520213"/>
+                <a:ext cx="1360679" cy="1064531"/>
+              </a:xfrm>
+              <a:prstGeom prst="rect">
+                <a:avLst/>
+              </a:prstGeom>
+            </p:spPr>
+          </p:pic>
+          <p:grpSp>
+            <p:nvGrpSpPr>
+              <p:cNvPr id="27" name="Group 26"/>
+              <p:cNvGrpSpPr/>
+              <p:nvPr/>
+            </p:nvGrpSpPr>
+            <p:grpSpPr>
+              <a:xfrm>
+                <a:off x="6183271" y="1340238"/>
+                <a:ext cx="1418902" cy="1395410"/>
+                <a:chOff x="6183271" y="1565430"/>
+                <a:chExt cx="1418902" cy="1395410"/>
+              </a:xfrm>
+            </p:grpSpPr>
+            <p:sp>
+              <p:nvSpPr>
+                <p:cNvPr id="28" name="Can 27"/>
+                <p:cNvSpPr/>
+                <p:nvPr/>
+              </p:nvSpPr>
+              <p:spPr>
+                <a:xfrm>
+                  <a:off x="6461796" y="1565430"/>
+                  <a:ext cx="557051" cy="986156"/>
+                </a:xfrm>
+                <a:prstGeom prst="can">
+                  <a:avLst/>
+                </a:prstGeom>
+              </p:spPr>
+              <p:style>
+                <a:lnRef idx="1">
+                  <a:schemeClr val="accent1"/>
+                </a:lnRef>
+                <a:fillRef idx="3">
+                  <a:schemeClr val="accent1"/>
+                </a:fillRef>
+                <a:effectRef idx="2">
+                  <a:schemeClr val="accent1"/>
+                </a:effectRef>
+                <a:fontRef idx="minor">
+                  <a:schemeClr val="lt1"/>
+                </a:fontRef>
+              </p:style>
+              <p:txBody>
+                <a:bodyPr rtlCol="0" anchor="ctr"/>
+                <a:lstStyle/>
+                <a:p>
+                  <a:pPr algn="ctr"/>
+                  <a:endParaRPr lang="en-US"/>
+                </a:p>
+              </p:txBody>
+            </p:sp>
+            <p:sp>
+              <p:nvSpPr>
+                <p:cNvPr id="29" name="Can 28"/>
+                <p:cNvSpPr/>
+                <p:nvPr/>
+              </p:nvSpPr>
+              <p:spPr>
+                <a:xfrm>
+                  <a:off x="6335672" y="1745405"/>
+                  <a:ext cx="557051" cy="986156"/>
+                </a:xfrm>
+                <a:prstGeom prst="can">
+                  <a:avLst/>
+                </a:prstGeom>
+              </p:spPr>
+              <p:style>
+                <a:lnRef idx="1">
+                  <a:schemeClr val="accent1"/>
+                </a:lnRef>
+                <a:fillRef idx="3">
+                  <a:schemeClr val="accent1"/>
+                </a:fillRef>
+                <a:effectRef idx="2">
+                  <a:schemeClr val="accent1"/>
+                </a:effectRef>
+                <a:fontRef idx="minor">
+                  <a:schemeClr val="lt1"/>
+                </a:fontRef>
+              </p:style>
+              <p:txBody>
+                <a:bodyPr rtlCol="0" anchor="ctr"/>
+                <a:lstStyle/>
+                <a:p>
+                  <a:pPr algn="ctr"/>
+                  <a:endParaRPr lang="en-US"/>
+                </a:p>
+              </p:txBody>
+            </p:sp>
+            <p:sp>
+              <p:nvSpPr>
+                <p:cNvPr id="30" name="Can 29"/>
+                <p:cNvSpPr/>
+                <p:nvPr/>
+              </p:nvSpPr>
+              <p:spPr>
+                <a:xfrm>
+                  <a:off x="6183271" y="1974684"/>
+                  <a:ext cx="557051" cy="986156"/>
+                </a:xfrm>
+                <a:prstGeom prst="can">
+                  <a:avLst/>
+                </a:prstGeom>
+              </p:spPr>
+              <p:style>
+                <a:lnRef idx="1">
+                  <a:schemeClr val="accent1"/>
+                </a:lnRef>
+                <a:fillRef idx="3">
+                  <a:schemeClr val="accent1"/>
+                </a:fillRef>
+                <a:effectRef idx="2">
+                  <a:schemeClr val="accent1"/>
+                </a:effectRef>
+                <a:fontRef idx="minor">
+                  <a:schemeClr val="lt1"/>
+                </a:fontRef>
+              </p:style>
+              <p:txBody>
+                <a:bodyPr rtlCol="0" anchor="ctr"/>
+                <a:lstStyle/>
+                <a:p>
+                  <a:pPr algn="ctr"/>
+                  <a:endParaRPr lang="en-US"/>
+                </a:p>
+              </p:txBody>
+            </p:sp>
+            <p:sp>
+              <p:nvSpPr>
+                <p:cNvPr id="31" name="Can 30"/>
+                <p:cNvSpPr/>
+                <p:nvPr/>
+              </p:nvSpPr>
+              <p:spPr>
+                <a:xfrm>
+                  <a:off x="7045122" y="1565430"/>
+                  <a:ext cx="557051" cy="986156"/>
+                </a:xfrm>
+                <a:prstGeom prst="can">
+                  <a:avLst/>
+                </a:prstGeom>
+              </p:spPr>
+              <p:style>
+                <a:lnRef idx="1">
+                  <a:schemeClr val="accent1"/>
+                </a:lnRef>
+                <a:fillRef idx="3">
+                  <a:schemeClr val="accent1"/>
+                </a:fillRef>
+                <a:effectRef idx="2">
+                  <a:schemeClr val="accent1"/>
+                </a:effectRef>
+                <a:fontRef idx="minor">
+                  <a:schemeClr val="lt1"/>
+                </a:fontRef>
+              </p:style>
+              <p:txBody>
+                <a:bodyPr rtlCol="0" anchor="ctr"/>
+                <a:lstStyle/>
+                <a:p>
+                  <a:pPr algn="ctr"/>
+                  <a:endParaRPr lang="en-US"/>
+                </a:p>
+              </p:txBody>
+            </p:sp>
+            <p:sp>
+              <p:nvSpPr>
+                <p:cNvPr id="32" name="Can 31"/>
+                <p:cNvSpPr/>
+                <p:nvPr/>
+              </p:nvSpPr>
+              <p:spPr>
+                <a:xfrm>
+                  <a:off x="6892723" y="1745405"/>
+                  <a:ext cx="557051" cy="986156"/>
+                </a:xfrm>
+                <a:prstGeom prst="can">
+                  <a:avLst/>
+                </a:prstGeom>
+              </p:spPr>
+              <p:style>
+                <a:lnRef idx="1">
+                  <a:schemeClr val="accent1"/>
+                </a:lnRef>
+                <a:fillRef idx="3">
+                  <a:schemeClr val="accent1"/>
+                </a:fillRef>
+                <a:effectRef idx="2">
+                  <a:schemeClr val="accent1"/>
+                </a:effectRef>
+                <a:fontRef idx="minor">
+                  <a:schemeClr val="lt1"/>
+                </a:fontRef>
+              </p:style>
+              <p:txBody>
+                <a:bodyPr rtlCol="0" anchor="ctr"/>
+                <a:lstStyle/>
+                <a:p>
+                  <a:pPr algn="ctr"/>
+                  <a:endParaRPr lang="en-US"/>
+                </a:p>
+              </p:txBody>
+            </p:sp>
+            <p:sp>
+              <p:nvSpPr>
+                <p:cNvPr id="33" name="Can 32"/>
+                <p:cNvSpPr/>
+                <p:nvPr/>
+              </p:nvSpPr>
+              <p:spPr>
+                <a:xfrm>
+                  <a:off x="6766597" y="1974684"/>
+                  <a:ext cx="557051" cy="986156"/>
+                </a:xfrm>
+                <a:prstGeom prst="can">
+                  <a:avLst/>
+                </a:prstGeom>
+              </p:spPr>
+              <p:style>
+                <a:lnRef idx="1">
+                  <a:schemeClr val="accent1"/>
+                </a:lnRef>
+                <a:fillRef idx="3">
+                  <a:schemeClr val="accent1"/>
+                </a:fillRef>
+                <a:effectRef idx="2">
+                  <a:schemeClr val="accent1"/>
+                </a:effectRef>
+                <a:fontRef idx="minor">
+                  <a:schemeClr val="lt1"/>
+                </a:fontRef>
+              </p:style>
+              <p:txBody>
+                <a:bodyPr rtlCol="0" anchor="ctr"/>
+                <a:lstStyle/>
+                <a:p>
+                  <a:pPr algn="ctr"/>
+                  <a:endParaRPr lang="en-US"/>
+                </a:p>
+              </p:txBody>
+            </p:sp>
+          </p:grpSp>
+        </p:grpSp>
+        <p:sp>
+          <p:nvSpPr>
+            <p:cNvPr id="24" name="TextBox 23"/>
+            <p:cNvSpPr txBox="1"/>
+            <p:nvPr/>
+          </p:nvSpPr>
+          <p:spPr>
+            <a:xfrm>
+              <a:off x="6913710" y="1707403"/>
+              <a:ext cx="361810" cy="646331"/>
+            </a:xfrm>
+            <a:prstGeom prst="rect">
+              <a:avLst/>
+            </a:prstGeom>
+            <a:noFill/>
+          </p:spPr>
+          <p:txBody>
+            <a:bodyPr wrap="square" rtlCol="0">
+              <a:spAutoFit/>
+            </a:bodyPr>
+            <a:lstStyle/>
+            <a:p>
+              <a:r>
+                <a:rPr lang="en-US" sz="3600" dirty="0"/>
+                <a:t>+</a:t>
+              </a:r>
+              <a:endParaRPr lang="en-US" sz="1400" dirty="0"/>
+            </a:p>
+          </p:txBody>
+        </p:sp>
+      </p:grpSp>
+      <p:grpSp>
+        <p:nvGrpSpPr>
+          <p:cNvPr id="12" name="Group 11"/>
+          <p:cNvGrpSpPr/>
+          <p:nvPr/>
+        </p:nvGrpSpPr>
+        <p:grpSpPr>
+          <a:xfrm>
+            <a:off x="5670164" y="3807526"/>
+            <a:ext cx="3185419" cy="1550665"/>
+            <a:chOff x="5703241" y="4558508"/>
+            <a:chExt cx="3185419" cy="1550665"/>
+          </a:xfrm>
+        </p:grpSpPr>
+        <p:sp>
+          <p:nvSpPr>
+            <p:cNvPr id="19" name="Rounded Rectangle 18"/>
+            <p:cNvSpPr/>
+            <p:nvPr/>
+          </p:nvSpPr>
+          <p:spPr>
+            <a:xfrm>
+              <a:off x="5703241" y="4558508"/>
+              <a:ext cx="3185419" cy="1550665"/>
+            </a:xfrm>
+            <a:prstGeom prst="roundRect">
+              <a:avLst/>
+            </a:prstGeom>
+            <a:solidFill>
+              <a:schemeClr val="bg1">
+                <a:lumMod val="85000"/>
+                <a:alpha val="47000"/>
+              </a:schemeClr>
+            </a:solidFill>
+            <a:ln>
+              <a:solidFill>
+                <a:schemeClr val="tx1"/>
+              </a:solidFill>
+              <a:prstDash val="sysDot"/>
+            </a:ln>
+            <a:effectLst/>
+          </p:spPr>
+          <p:style>
+            <a:lnRef idx="1">
+              <a:schemeClr val="accent1"/>
+            </a:lnRef>
+            <a:fillRef idx="3">
+              <a:schemeClr val="accent1"/>
+            </a:fillRef>
+            <a:effectRef idx="2">
+              <a:schemeClr val="accent1"/>
+            </a:effectRef>
+            <a:fontRef idx="minor">
+              <a:schemeClr val="lt1"/>
+            </a:fontRef>
+          </p:style>
+          <p:txBody>
+            <a:bodyPr rtlCol="0" anchor="ctr"/>
+            <a:lstStyle/>
+            <a:p>
+              <a:pPr algn="ctr"/>
+              <a:endParaRPr lang="en-US"/>
+            </a:p>
+          </p:txBody>
+        </p:sp>
+        <p:pic>
+          <p:nvPicPr>
+            <p:cNvPr id="20" name="Picture 19"/>
+            <p:cNvPicPr>
+              <a:picLocks noChangeAspect="1"/>
+            </p:cNvPicPr>
+            <p:nvPr/>
+          </p:nvPicPr>
+          <p:blipFill>
+            <a:blip r:embed="rId4"/>
+            <a:stretch>
+              <a:fillRect/>
+            </a:stretch>
+          </p:blipFill>
+          <p:spPr>
+            <a:xfrm>
+              <a:off x="5958529" y="4804122"/>
+              <a:ext cx="612467" cy="903802"/>
+            </a:xfrm>
+            <a:prstGeom prst="rect">
+              <a:avLst/>
+            </a:prstGeom>
+          </p:spPr>
+        </p:pic>
+        <p:pic>
+          <p:nvPicPr>
+            <p:cNvPr id="21" name="Picture 20"/>
+            <p:cNvPicPr>
+              <a:picLocks noChangeAspect="1"/>
+            </p:cNvPicPr>
+            <p:nvPr/>
+          </p:nvPicPr>
+          <p:blipFill>
+            <a:blip r:embed="rId5"/>
+            <a:stretch>
+              <a:fillRect/>
+            </a:stretch>
+          </p:blipFill>
+          <p:spPr>
+            <a:xfrm>
+              <a:off x="7129618" y="4804122"/>
+              <a:ext cx="1600646" cy="1119286"/>
+            </a:xfrm>
+            <a:prstGeom prst="rect">
+              <a:avLst/>
+            </a:prstGeom>
+          </p:spPr>
+        </p:pic>
+        <p:sp>
+          <p:nvSpPr>
+            <p:cNvPr id="22" name="TextBox 21"/>
+            <p:cNvSpPr txBox="1"/>
+            <p:nvPr/>
+          </p:nvSpPr>
+          <p:spPr>
+            <a:xfrm>
+              <a:off x="6656796" y="4931597"/>
+              <a:ext cx="361810" cy="646331"/>
+            </a:xfrm>
+            <a:prstGeom prst="rect">
+              <a:avLst/>
+            </a:prstGeom>
+            <a:noFill/>
+          </p:spPr>
+          <p:txBody>
+            <a:bodyPr wrap="square" rtlCol="0">
+              <a:spAutoFit/>
+            </a:bodyPr>
+            <a:lstStyle/>
+            <a:p>
+              <a:r>
+                <a:rPr lang="en-US" sz="3600" dirty="0"/>
+                <a:t>+</a:t>
+              </a:r>
+              <a:endParaRPr lang="en-US" sz="1400" dirty="0"/>
+            </a:p>
+          </p:txBody>
+        </p:sp>
+      </p:grpSp>
+      <p:cxnSp>
+        <p:nvCxnSpPr>
+          <p:cNvPr id="13" name="Straight Arrow Connector 12"/>
+          <p:cNvCxnSpPr/>
+          <p:nvPr/>
+        </p:nvCxnSpPr>
+        <p:spPr>
+          <a:xfrm flipV="1">
+            <a:off x="1437763" y="2492420"/>
+            <a:ext cx="398795" cy="142344"/>
+          </a:xfrm>
+          <a:prstGeom prst="straightConnector1">
+            <a:avLst/>
+          </a:prstGeom>
+          <a:ln>
+            <a:solidFill>
+              <a:schemeClr val="tx1"/>
+            </a:solidFill>
+            <a:tailEnd type="arrow"/>
+          </a:ln>
+          <a:effectLst/>
+        </p:spPr>
+        <p:style>
+          <a:lnRef idx="2">
+            <a:schemeClr val="accent1"/>
+          </a:lnRef>
+          <a:fillRef idx="0">
+            <a:schemeClr val="accent1"/>
+          </a:fillRef>
+          <a:effectRef idx="1">
+            <a:schemeClr val="accent1"/>
+          </a:effectRef>
+          <a:fontRef idx="minor">
+            <a:schemeClr val="tx1"/>
+          </a:fontRef>
+        </p:style>
+      </p:cxnSp>
+      <p:pic>
+        <p:nvPicPr>
+          <p:cNvPr id="14" name="Picture 13"/>
+          <p:cNvPicPr>
+            <a:picLocks noChangeAspect="1"/>
+          </p:cNvPicPr>
+          <p:nvPr/>
+        </p:nvPicPr>
+        <p:blipFill>
+          <a:blip r:embed="rId6"/>
+          <a:stretch>
+            <a:fillRect/>
+          </a:stretch>
+        </p:blipFill>
+        <p:spPr>
+          <a:xfrm>
+            <a:off x="359945" y="2719093"/>
+            <a:ext cx="922235" cy="690786"/>
+          </a:xfrm>
+          <a:prstGeom prst="rect">
+            <a:avLst/>
+          </a:prstGeom>
+        </p:spPr>
+      </p:pic>
+      <p:sp>
+        <p:nvSpPr>
+          <p:cNvPr id="15" name="TextBox 14"/>
+          <p:cNvSpPr txBox="1"/>
+          <p:nvPr/>
+        </p:nvSpPr>
+        <p:spPr>
+          <a:xfrm>
+            <a:off x="5925452" y="5401046"/>
+            <a:ext cx="2561736" cy="338469"/>
+          </a:xfrm>
+          <a:prstGeom prst="rect">
+            <a:avLst/>
+          </a:prstGeom>
+          <a:noFill/>
+        </p:spPr>
+        <p:txBody>
+          <a:bodyPr wrap="square" lIns="91354" tIns="45678" rIns="91354" bIns="45678" rtlCol="0">
+            <a:spAutoFit/>
+          </a:bodyPr>
+          <a:lstStyle/>
+          <a:p>
+            <a:pPr algn="ctr"/>
+            <a:r>
+              <a:rPr lang="en-US" sz="1600" dirty="0"/>
+              <a:t>Modeling &amp; Analytics</a:t>
+            </a:r>
+          </a:p>
+        </p:txBody>
+      </p:sp>
+      <p:sp>
+        <p:nvSpPr>
+          <p:cNvPr id="16" name="TextBox 15"/>
+          <p:cNvSpPr txBox="1"/>
+          <p:nvPr/>
+        </p:nvSpPr>
+        <p:spPr>
+          <a:xfrm>
+            <a:off x="2248562" y="5570311"/>
+            <a:ext cx="1695977" cy="338554"/>
+          </a:xfrm>
+          <a:prstGeom prst="rect">
+            <a:avLst/>
+          </a:prstGeom>
+          <a:noFill/>
+        </p:spPr>
+        <p:txBody>
+          <a:bodyPr wrap="square" lIns="91354" tIns="45678" rIns="91354" bIns="45678" rtlCol="0">
+            <a:spAutoFit/>
+          </a:bodyPr>
+          <a:lstStyle/>
+          <a:p>
+            <a:pPr algn="ctr"/>
+            <a:r>
+              <a:rPr lang="en-US" sz="1600" dirty="0"/>
+              <a:t>Debugging</a:t>
+            </a:r>
+            <a:endParaRPr lang="en-US" sz="1400" dirty="0"/>
+          </a:p>
+        </p:txBody>
+      </p:sp>
+      <p:sp>
+        <p:nvSpPr>
+          <p:cNvPr id="17" name="TextBox 16"/>
+          <p:cNvSpPr txBox="1"/>
+          <p:nvPr/>
+        </p:nvSpPr>
+        <p:spPr>
+          <a:xfrm>
+            <a:off x="-12646" y="3468364"/>
+            <a:ext cx="1450409" cy="646246"/>
+          </a:xfrm>
+          <a:prstGeom prst="rect">
+            <a:avLst/>
+          </a:prstGeom>
+          <a:noFill/>
+        </p:spPr>
+        <p:txBody>
+          <a:bodyPr wrap="square" lIns="91354" tIns="45678" rIns="91354" bIns="45678" rtlCol="0">
+            <a:spAutoFit/>
+          </a:bodyPr>
+          <a:lstStyle/>
+          <a:p>
+            <a:pPr algn="ctr"/>
+            <a:r>
+              <a:rPr lang="en-US" dirty="0"/>
+              <a:t>Development </a:t>
+            </a:r>
+            <a:endParaRPr lang="en-US" dirty="0" smtClean="0"/>
+          </a:p>
+          <a:p>
+            <a:pPr algn="ctr"/>
+            <a:r>
+              <a:rPr lang="en-US" dirty="0" smtClean="0"/>
+              <a:t>Team</a:t>
+            </a:r>
+            <a:endParaRPr lang="en-US" dirty="0"/>
+          </a:p>
+        </p:txBody>
+      </p:sp>
+      <p:sp>
+        <p:nvSpPr>
+          <p:cNvPr id="18" name="TextBox 17"/>
+          <p:cNvSpPr txBox="1"/>
+          <p:nvPr/>
+        </p:nvSpPr>
+        <p:spPr>
+          <a:xfrm>
+            <a:off x="4132345" y="4011338"/>
+            <a:ext cx="1414202" cy="584691"/>
+          </a:xfrm>
+          <a:prstGeom prst="rect">
+            <a:avLst/>
+          </a:prstGeom>
+          <a:noFill/>
+        </p:spPr>
+        <p:txBody>
+          <a:bodyPr wrap="square" lIns="91354" tIns="45678" rIns="91354" bIns="45678" rtlCol="0">
+            <a:spAutoFit/>
+          </a:bodyPr>
+          <a:lstStyle/>
+          <a:p>
+            <a:pPr algn="ctr"/>
+            <a:r>
+              <a:rPr lang="en-US" sz="1600" dirty="0" smtClean="0"/>
+              <a:t>Generates Alerts!</a:t>
+            </a:r>
+            <a:endParaRPr lang="en-US" sz="1400" dirty="0"/>
+          </a:p>
+        </p:txBody>
+      </p:sp>
+      <p:sp>
+        <p:nvSpPr>
+          <p:cNvPr id="34" name="Rounded Rectangle 33"/>
+          <p:cNvSpPr/>
+          <p:nvPr/>
+        </p:nvSpPr>
+        <p:spPr>
+          <a:xfrm>
+            <a:off x="5381614" y="813212"/>
+            <a:ext cx="3586915" cy="5095653"/>
+          </a:xfrm>
+          <a:prstGeom prst="roundRect">
+            <a:avLst/>
+          </a:prstGeom>
+          <a:noFill/>
+          <a:ln>
+            <a:solidFill>
+              <a:schemeClr val="tx1"/>
+            </a:solidFill>
+            <a:prstDash val="dash"/>
+          </a:ln>
+          <a:effectLst/>
+        </p:spPr>
+        <p:style>
+          <a:lnRef idx="1">
+            <a:schemeClr val="accent1"/>
+          </a:lnRef>
+          <a:fillRef idx="3">
+            <a:schemeClr val="accent1"/>
+          </a:fillRef>
+          <a:effectRef idx="2">
+            <a:schemeClr val="accent1"/>
+          </a:effectRef>
+          <a:fontRef idx="minor">
+            <a:schemeClr val="lt1"/>
+          </a:fontRef>
+        </p:style>
+        <p:txBody>
+          <a:bodyPr rtlCol="0" anchor="ctr"/>
+          <a:lstStyle/>
+          <a:p>
+            <a:pPr algn="ctr"/>
+            <a:endParaRPr lang="en-US"/>
+          </a:p>
+        </p:txBody>
+      </p:sp>
+      <p:pic>
+        <p:nvPicPr>
+          <p:cNvPr id="36" name="Picture 35"/>
+          <p:cNvPicPr>
+            <a:picLocks noChangeAspect="1"/>
+          </p:cNvPicPr>
+          <p:nvPr/>
+        </p:nvPicPr>
+        <p:blipFill rotWithShape="1">
+          <a:blip r:embed="rId7"/>
+          <a:srcRect l="5711" t="3957" r="4331" b="12039"/>
+          <a:stretch/>
+        </p:blipFill>
+        <p:spPr>
+          <a:xfrm>
+            <a:off x="2645675" y="4092951"/>
+            <a:ext cx="1298864" cy="1296806"/>
+          </a:xfrm>
+          <a:prstGeom prst="rect">
+            <a:avLst/>
+          </a:prstGeom>
+        </p:spPr>
+      </p:pic>
+    </p:spTree>
+    <p:extLst>
+      <p:ext uri="{BB962C8B-B14F-4D97-AF65-F5344CB8AC3E}">
+        <p14:creationId xmlns:p14="http://schemas.microsoft.com/office/powerpoint/2010/main" val="4244540378"/>
+      </p:ext>
+    </p:extLst>
+  </p:cSld>
+  <p:clrMapOvr>
+    <a:masterClrMapping/>
+  </p:clrMapOvr>
+</p:sld>
+</file>
+
+<file path=ppt/slides/slide5.xml><?xml version="1.0" encoding="utf-8"?>
+<p:sld xmlns:a="http://schemas.openxmlformats.org/drawingml/2006/main" xmlns:r="http://schemas.openxmlformats.org/officeDocument/2006/relationships" xmlns:p="http://schemas.openxmlformats.org/presentationml/2006/main">
+  <p:cSld>
+    <p:spTree>
+      <p:nvGrpSpPr>
+        <p:cNvPr id="1" name=""/>
+        <p:cNvGrpSpPr/>
+        <p:nvPr/>
+      </p:nvGrpSpPr>
+      <p:grpSpPr>
+        <a:xfrm>
+          <a:off x="0" y="0"/>
+          <a:ext cx="0" cy="0"/>
+          <a:chOff x="0" y="0"/>
+          <a:chExt cx="0" cy="0"/>
+        </a:xfrm>
+      </p:grpSpPr>
+      <p:grpSp>
+        <p:nvGrpSpPr>
+          <p:cNvPr id="2" name="Group 1"/>
+          <p:cNvGrpSpPr/>
+          <p:nvPr/>
+        </p:nvGrpSpPr>
+        <p:grpSpPr>
+          <a:xfrm>
+            <a:off x="302641" y="3511727"/>
+            <a:ext cx="2493762" cy="1550665"/>
+            <a:chOff x="5526383" y="1267858"/>
+            <a:chExt cx="2493762" cy="1550665"/>
+          </a:xfrm>
+        </p:grpSpPr>
+        <p:grpSp>
+          <p:nvGrpSpPr>
+            <p:cNvPr id="3" name="Group 2"/>
+            <p:cNvGrpSpPr/>
+            <p:nvPr/>
+          </p:nvGrpSpPr>
+          <p:grpSpPr>
+            <a:xfrm>
+              <a:off x="5526383" y="1267858"/>
+              <a:ext cx="2493762" cy="1550665"/>
+              <a:chOff x="3824846" y="1240531"/>
+              <a:chExt cx="3052153" cy="1550665"/>
+            </a:xfrm>
+          </p:grpSpPr>
+          <p:sp>
+            <p:nvSpPr>
+              <p:cNvPr id="5" name="Rounded Rectangle 4"/>
+              <p:cNvSpPr/>
+              <p:nvPr/>
+            </p:nvSpPr>
+            <p:spPr>
+              <a:xfrm>
+                <a:off x="3824846" y="1240531"/>
+                <a:ext cx="3052153" cy="1550665"/>
+              </a:xfrm>
+              <a:prstGeom prst="roundRect">
+                <a:avLst/>
+              </a:prstGeom>
+              <a:solidFill>
+                <a:schemeClr val="bg1">
+                  <a:lumMod val="85000"/>
+                  <a:alpha val="47000"/>
+                </a:schemeClr>
+              </a:solidFill>
+              <a:ln>
+                <a:solidFill>
+                  <a:schemeClr val="tx1"/>
+                </a:solidFill>
+                <a:prstDash val="sysDot"/>
+              </a:ln>
+              <a:effectLst/>
+            </p:spPr>
+            <p:style>
+              <a:lnRef idx="1">
+                <a:schemeClr val="accent1"/>
+              </a:lnRef>
+              <a:fillRef idx="3">
+                <a:schemeClr val="accent1"/>
+              </a:fillRef>
+              <a:effectRef idx="2">
+                <a:schemeClr val="accent1"/>
+              </a:effectRef>
+              <a:fontRef idx="minor">
+                <a:schemeClr val="lt1"/>
+              </a:fontRef>
+            </p:style>
+            <p:txBody>
+              <a:bodyPr rtlCol="0" anchor="ctr"/>
+              <a:lstStyle/>
+              <a:p>
+                <a:pPr algn="ctr"/>
+                <a:endParaRPr lang="en-US"/>
+              </a:p>
+            </p:txBody>
+          </p:sp>
+          <p:pic>
+            <p:nvPicPr>
+              <p:cNvPr id="6" name="Picture 5"/>
+              <p:cNvPicPr>
+                <a:picLocks noChangeAspect="1"/>
+              </p:cNvPicPr>
+              <p:nvPr/>
+            </p:nvPicPr>
+            <p:blipFill>
+              <a:blip r:embed="rId2"/>
+              <a:stretch>
+                <a:fillRect/>
+              </a:stretch>
+            </p:blipFill>
+            <p:spPr>
+              <a:xfrm>
+                <a:off x="4041305" y="1520213"/>
+                <a:ext cx="1360679" cy="1064531"/>
+              </a:xfrm>
+              <a:prstGeom prst="rect">
+                <a:avLst/>
+              </a:prstGeom>
+            </p:spPr>
+          </p:pic>
+          <p:grpSp>
+            <p:nvGrpSpPr>
+              <p:cNvPr id="7" name="Group 6"/>
+              <p:cNvGrpSpPr/>
+              <p:nvPr/>
+            </p:nvGrpSpPr>
+            <p:grpSpPr>
+              <a:xfrm>
+                <a:off x="6022044" y="1473918"/>
+                <a:ext cx="683177" cy="1166131"/>
+                <a:chOff x="6022044" y="1699110"/>
+                <a:chExt cx="683177" cy="1166131"/>
+              </a:xfrm>
+            </p:grpSpPr>
+            <p:sp>
+              <p:nvSpPr>
+                <p:cNvPr id="8" name="Can 7"/>
+                <p:cNvSpPr/>
+                <p:nvPr/>
+              </p:nvSpPr>
+              <p:spPr>
+                <a:xfrm>
+                  <a:off x="6148171" y="1699110"/>
+                  <a:ext cx="557050" cy="986156"/>
+                </a:xfrm>
+                <a:prstGeom prst="can">
+                  <a:avLst/>
+                </a:prstGeom>
+              </p:spPr>
+              <p:style>
+                <a:lnRef idx="1">
+                  <a:schemeClr val="accent1"/>
+                </a:lnRef>
+                <a:fillRef idx="3">
+                  <a:schemeClr val="accent1"/>
+                </a:fillRef>
+                <a:effectRef idx="2">
+                  <a:schemeClr val="accent1"/>
+                </a:effectRef>
+                <a:fontRef idx="minor">
+                  <a:schemeClr val="lt1"/>
+                </a:fontRef>
+              </p:style>
+              <p:txBody>
+                <a:bodyPr rtlCol="0" anchor="ctr"/>
+                <a:lstStyle/>
+                <a:p>
+                  <a:pPr algn="ctr"/>
+                  <a:endParaRPr lang="en-US"/>
+                </a:p>
+              </p:txBody>
+            </p:sp>
+            <p:sp>
+              <p:nvSpPr>
+                <p:cNvPr id="9" name="Can 8"/>
+                <p:cNvSpPr/>
+                <p:nvPr/>
+              </p:nvSpPr>
+              <p:spPr>
+                <a:xfrm>
+                  <a:off x="6022044" y="1879085"/>
+                  <a:ext cx="557050" cy="986156"/>
+                </a:xfrm>
+                <a:prstGeom prst="can">
+                  <a:avLst/>
+                </a:prstGeom>
+              </p:spPr>
+              <p:style>
+                <a:lnRef idx="1">
+                  <a:schemeClr val="accent1"/>
+                </a:lnRef>
+                <a:fillRef idx="3">
+                  <a:schemeClr val="accent1"/>
+                </a:fillRef>
+                <a:effectRef idx="2">
+                  <a:schemeClr val="accent1"/>
+                </a:effectRef>
+                <a:fontRef idx="minor">
+                  <a:schemeClr val="lt1"/>
+                </a:fontRef>
+              </p:style>
+              <p:txBody>
+                <a:bodyPr rtlCol="0" anchor="ctr"/>
+                <a:lstStyle/>
+                <a:p>
+                  <a:pPr algn="ctr"/>
+                  <a:endParaRPr lang="en-US"/>
+                </a:p>
+              </p:txBody>
+            </p:sp>
+          </p:grpSp>
+        </p:grpSp>
+        <p:sp>
+          <p:nvSpPr>
+            <p:cNvPr id="4" name="TextBox 3"/>
+            <p:cNvSpPr txBox="1"/>
+            <p:nvPr/>
+          </p:nvSpPr>
+          <p:spPr>
+            <a:xfrm>
+              <a:off x="6913710" y="1707403"/>
+              <a:ext cx="361810" cy="646331"/>
+            </a:xfrm>
+            <a:prstGeom prst="rect">
+              <a:avLst/>
+            </a:prstGeom>
+            <a:noFill/>
+          </p:spPr>
+          <p:txBody>
+            <a:bodyPr wrap="square" rtlCol="0">
+              <a:spAutoFit/>
+            </a:bodyPr>
+            <a:lstStyle/>
+            <a:p>
+              <a:r>
+                <a:rPr lang="en-US" sz="3600" dirty="0"/>
+                <a:t>+</a:t>
+              </a:r>
+              <a:endParaRPr lang="en-US" sz="1400" dirty="0"/>
+            </a:p>
+          </p:txBody>
+        </p:sp>
+      </p:grpSp>
+      <p:grpSp>
+        <p:nvGrpSpPr>
+          <p:cNvPr id="14" name="Group 13"/>
+          <p:cNvGrpSpPr/>
+          <p:nvPr/>
+        </p:nvGrpSpPr>
+        <p:grpSpPr>
+          <a:xfrm>
+            <a:off x="3375738" y="3511727"/>
+            <a:ext cx="2080752" cy="1550665"/>
+            <a:chOff x="5937254" y="4558508"/>
+            <a:chExt cx="2339162" cy="1550665"/>
+          </a:xfrm>
+        </p:grpSpPr>
+        <p:sp>
+          <p:nvSpPr>
+            <p:cNvPr id="15" name="Rounded Rectangle 14"/>
+            <p:cNvSpPr/>
+            <p:nvPr/>
+          </p:nvSpPr>
+          <p:spPr>
+            <a:xfrm>
+              <a:off x="5937254" y="4558508"/>
+              <a:ext cx="2339162" cy="1550665"/>
+            </a:xfrm>
+            <a:prstGeom prst="roundRect">
+              <a:avLst/>
+            </a:prstGeom>
+            <a:solidFill>
+              <a:schemeClr val="bg1">
+                <a:lumMod val="85000"/>
+                <a:alpha val="47000"/>
+              </a:schemeClr>
+            </a:solidFill>
+            <a:ln>
+              <a:solidFill>
+                <a:schemeClr val="tx1"/>
+              </a:solidFill>
+              <a:prstDash val="sysDot"/>
+            </a:ln>
+            <a:effectLst/>
+          </p:spPr>
+          <p:style>
+            <a:lnRef idx="1">
+              <a:schemeClr val="accent1"/>
+            </a:lnRef>
+            <a:fillRef idx="3">
+              <a:schemeClr val="accent1"/>
+            </a:fillRef>
+            <a:effectRef idx="2">
+              <a:schemeClr val="accent1"/>
+            </a:effectRef>
+            <a:fontRef idx="minor">
+              <a:schemeClr val="lt1"/>
+            </a:fontRef>
+          </p:style>
+          <p:txBody>
+            <a:bodyPr rtlCol="0" anchor="ctr"/>
+            <a:lstStyle/>
+            <a:p>
+              <a:pPr algn="ctr"/>
+              <a:endParaRPr lang="en-US"/>
+            </a:p>
+          </p:txBody>
+        </p:sp>
+        <p:pic>
+          <p:nvPicPr>
+            <p:cNvPr id="16" name="Picture 15"/>
+            <p:cNvPicPr>
+              <a:picLocks noChangeAspect="1"/>
+            </p:cNvPicPr>
+            <p:nvPr/>
+          </p:nvPicPr>
+          <p:blipFill>
+            <a:blip r:embed="rId3"/>
+            <a:stretch>
+              <a:fillRect/>
+            </a:stretch>
+          </p:blipFill>
+          <p:spPr>
+            <a:xfrm>
+              <a:off x="6058798" y="4837542"/>
+              <a:ext cx="612467" cy="903802"/>
+            </a:xfrm>
+            <a:prstGeom prst="rect">
+              <a:avLst/>
+            </a:prstGeom>
+          </p:spPr>
+        </p:pic>
+        <p:pic>
+          <p:nvPicPr>
+            <p:cNvPr id="17" name="Picture 16"/>
+            <p:cNvPicPr>
+              <a:picLocks noChangeAspect="1"/>
+            </p:cNvPicPr>
+            <p:nvPr/>
+          </p:nvPicPr>
+          <p:blipFill>
+            <a:blip r:embed="rId4"/>
+            <a:stretch>
+              <a:fillRect/>
+            </a:stretch>
+          </p:blipFill>
+          <p:spPr>
+            <a:xfrm>
+              <a:off x="7062773" y="4804122"/>
+              <a:ext cx="1113367" cy="973929"/>
+            </a:xfrm>
+            <a:prstGeom prst="rect">
+              <a:avLst/>
+            </a:prstGeom>
+          </p:spPr>
+        </p:pic>
+        <p:sp>
+          <p:nvSpPr>
+            <p:cNvPr id="18" name="TextBox 17"/>
+            <p:cNvSpPr txBox="1"/>
+            <p:nvPr/>
+          </p:nvSpPr>
+          <p:spPr>
+            <a:xfrm>
+              <a:off x="6656796" y="4931597"/>
+              <a:ext cx="361810" cy="646331"/>
+            </a:xfrm>
+            <a:prstGeom prst="rect">
+              <a:avLst/>
+            </a:prstGeom>
+            <a:noFill/>
+          </p:spPr>
+          <p:txBody>
+            <a:bodyPr wrap="square" rtlCol="0">
+              <a:spAutoFit/>
+            </a:bodyPr>
+            <a:lstStyle/>
+            <a:p>
+              <a:r>
+                <a:rPr lang="en-US" sz="3600" dirty="0"/>
+                <a:t>+</a:t>
+              </a:r>
+              <a:endParaRPr lang="en-US" sz="1400" dirty="0"/>
+            </a:p>
+          </p:txBody>
+        </p:sp>
+      </p:grpSp>
+      <p:pic>
+        <p:nvPicPr>
+          <p:cNvPr id="20" name="Picture 19"/>
+          <p:cNvPicPr>
+            <a:picLocks noChangeAspect="1"/>
+          </p:cNvPicPr>
+          <p:nvPr/>
+        </p:nvPicPr>
+        <p:blipFill>
+          <a:blip r:embed="rId5"/>
+          <a:stretch>
+            <a:fillRect/>
+          </a:stretch>
+        </p:blipFill>
+        <p:spPr>
+          <a:xfrm>
+            <a:off x="2097862" y="1788822"/>
+            <a:ext cx="1535746" cy="1535746"/>
+          </a:xfrm>
+          <a:prstGeom prst="rect">
+            <a:avLst/>
+          </a:prstGeom>
+        </p:spPr>
+      </p:pic>
+      <p:sp>
+        <p:nvSpPr>
+          <p:cNvPr id="21" name="TextBox 20"/>
+          <p:cNvSpPr txBox="1"/>
+          <p:nvPr/>
+        </p:nvSpPr>
+        <p:spPr>
+          <a:xfrm>
+            <a:off x="724168" y="5112641"/>
+            <a:ext cx="1828832" cy="369332"/>
+          </a:xfrm>
+          <a:prstGeom prst="rect">
+            <a:avLst/>
+          </a:prstGeom>
+          <a:noFill/>
+        </p:spPr>
+        <p:txBody>
+          <a:bodyPr wrap="square" rtlCol="0">
+            <a:spAutoFit/>
+          </a:bodyPr>
+          <a:lstStyle/>
+          <a:p>
+            <a:pPr algn="ctr"/>
+            <a:r>
+              <a:rPr lang="en-US" dirty="0" smtClean="0"/>
+              <a:t>Monitoring</a:t>
+            </a:r>
+            <a:endParaRPr lang="en-US" dirty="0"/>
+          </a:p>
+        </p:txBody>
+      </p:sp>
+      <p:sp>
+        <p:nvSpPr>
+          <p:cNvPr id="22" name="TextBox 21"/>
+          <p:cNvSpPr txBox="1"/>
+          <p:nvPr/>
+        </p:nvSpPr>
+        <p:spPr>
+          <a:xfrm>
+            <a:off x="3219759" y="5048448"/>
+            <a:ext cx="2517872" cy="369332"/>
+          </a:xfrm>
+          <a:prstGeom prst="rect">
+            <a:avLst/>
+          </a:prstGeom>
+          <a:noFill/>
+        </p:spPr>
+        <p:txBody>
+          <a:bodyPr wrap="square" rtlCol="0">
+            <a:spAutoFit/>
+          </a:bodyPr>
+          <a:lstStyle/>
+          <a:p>
+            <a:pPr algn="ctr"/>
+            <a:r>
+              <a:rPr lang="en-US" dirty="0" smtClean="0"/>
+              <a:t>Modeling and Analytics</a:t>
+            </a:r>
+            <a:endParaRPr lang="en-US" dirty="0"/>
+          </a:p>
+        </p:txBody>
+      </p:sp>
+      <p:sp>
+        <p:nvSpPr>
+          <p:cNvPr id="23" name="Rounded Rectangle 22"/>
+          <p:cNvSpPr/>
+          <p:nvPr/>
+        </p:nvSpPr>
+        <p:spPr>
+          <a:xfrm>
+            <a:off x="122553" y="1021257"/>
+            <a:ext cx="5782194" cy="4585903"/>
+          </a:xfrm>
+          <a:prstGeom prst="roundRect">
+            <a:avLst/>
+          </a:prstGeom>
+          <a:noFill/>
+          <a:ln>
+            <a:solidFill>
+              <a:schemeClr val="tx1"/>
+            </a:solidFill>
+            <a:prstDash val="dash"/>
+          </a:ln>
+          <a:effectLst/>
+        </p:spPr>
+        <p:style>
+          <a:lnRef idx="1">
+            <a:schemeClr val="accent1"/>
+          </a:lnRef>
+          <a:fillRef idx="3">
+            <a:schemeClr val="accent1"/>
+          </a:fillRef>
+          <a:effectRef idx="2">
+            <a:schemeClr val="accent1"/>
+          </a:effectRef>
+          <a:fontRef idx="minor">
+            <a:schemeClr val="lt1"/>
+          </a:fontRef>
+        </p:style>
+        <p:txBody>
+          <a:bodyPr rtlCol="0" anchor="ctr"/>
+          <a:lstStyle/>
+          <a:p>
+            <a:pPr algn="ctr"/>
+            <a:endParaRPr lang="en-US"/>
+          </a:p>
+        </p:txBody>
+      </p:sp>
+      <p:sp>
+        <p:nvSpPr>
+          <p:cNvPr id="24" name="TextBox 23"/>
+          <p:cNvSpPr txBox="1"/>
+          <p:nvPr/>
+        </p:nvSpPr>
+        <p:spPr>
+          <a:xfrm>
+            <a:off x="1013835" y="1132656"/>
+            <a:ext cx="3877078" cy="646331"/>
+          </a:xfrm>
+          <a:prstGeom prst="rect">
+            <a:avLst/>
+          </a:prstGeom>
+          <a:noFill/>
+        </p:spPr>
+        <p:txBody>
+          <a:bodyPr wrap="square" rtlCol="0">
+            <a:spAutoFit/>
+          </a:bodyPr>
+          <a:lstStyle/>
+          <a:p>
+            <a:pPr algn="ctr"/>
+            <a:r>
+              <a:rPr lang="en-US" dirty="0" smtClean="0"/>
+              <a:t>Currently Executed </a:t>
+            </a:r>
+            <a:r>
+              <a:rPr lang="en-US" dirty="0" err="1" smtClean="0"/>
+              <a:t>Concurrenty</a:t>
+            </a:r>
+            <a:r>
+              <a:rPr lang="en-US" dirty="0" smtClean="0"/>
+              <a:t> for Software Development</a:t>
+            </a:r>
+            <a:endParaRPr lang="en-US" dirty="0"/>
+          </a:p>
+        </p:txBody>
+      </p:sp>
+      <p:sp>
+        <p:nvSpPr>
+          <p:cNvPr id="25" name="Rounded Rectangle 24"/>
+          <p:cNvSpPr/>
+          <p:nvPr/>
+        </p:nvSpPr>
+        <p:spPr>
+          <a:xfrm>
+            <a:off x="6651345" y="2494603"/>
+            <a:ext cx="1893976" cy="2005182"/>
+          </a:xfrm>
+          <a:prstGeom prst="roundRect">
+            <a:avLst/>
+          </a:prstGeom>
+          <a:noFill/>
+          <a:ln>
+            <a:solidFill>
+              <a:schemeClr val="tx1"/>
+            </a:solidFill>
+            <a:prstDash val="dash"/>
+          </a:ln>
+          <a:effectLst/>
+        </p:spPr>
+        <p:style>
+          <a:lnRef idx="1">
+            <a:schemeClr val="accent1"/>
+          </a:lnRef>
+          <a:fillRef idx="3">
+            <a:schemeClr val="accent1"/>
+          </a:fillRef>
+          <a:effectRef idx="2">
+            <a:schemeClr val="accent1"/>
+          </a:effectRef>
+          <a:fontRef idx="minor">
+            <a:schemeClr val="lt1"/>
+          </a:fontRef>
+        </p:style>
+        <p:txBody>
+          <a:bodyPr rtlCol="0" anchor="ctr"/>
+          <a:lstStyle/>
+          <a:p>
+            <a:pPr algn="ctr"/>
+            <a:endParaRPr lang="en-US"/>
+          </a:p>
+        </p:txBody>
+      </p:sp>
+      <p:pic>
+        <p:nvPicPr>
+          <p:cNvPr id="27" name="Picture 26"/>
+          <p:cNvPicPr>
+            <a:picLocks noChangeAspect="1"/>
+          </p:cNvPicPr>
+          <p:nvPr/>
+        </p:nvPicPr>
+        <p:blipFill rotWithShape="1">
+          <a:blip r:embed="rId6"/>
+          <a:srcRect l="5711" t="3957" r="4331" b="12039"/>
+          <a:stretch/>
+        </p:blipFill>
+        <p:spPr>
+          <a:xfrm>
+            <a:off x="6990677" y="2494603"/>
+            <a:ext cx="1298864" cy="1296806"/>
+          </a:xfrm>
+          <a:prstGeom prst="rect">
+            <a:avLst/>
+          </a:prstGeom>
+        </p:spPr>
+      </p:pic>
+      <p:sp>
+        <p:nvSpPr>
+          <p:cNvPr id="28" name="Left Arrow 27"/>
+          <p:cNvSpPr/>
+          <p:nvPr/>
+        </p:nvSpPr>
+        <p:spPr>
+          <a:xfrm>
+            <a:off x="5993875" y="3048719"/>
+            <a:ext cx="512487" cy="275849"/>
+          </a:xfrm>
+          <a:prstGeom prst="leftArrow">
+            <a:avLst/>
+          </a:prstGeom>
+          <a:solidFill>
+            <a:schemeClr val="tx1"/>
+          </a:solidFill>
+          <a:ln>
+            <a:solidFill>
+              <a:schemeClr val="tx1"/>
+            </a:solidFill>
+          </a:ln>
+          <a:effectLst/>
+        </p:spPr>
+        <p:style>
+          <a:lnRef idx="1">
+            <a:schemeClr val="accent1"/>
+          </a:lnRef>
+          <a:fillRef idx="3">
+            <a:schemeClr val="accent1"/>
+          </a:fillRef>
+          <a:effectRef idx="2">
+            <a:schemeClr val="accent1"/>
+          </a:effectRef>
+          <a:fontRef idx="minor">
+            <a:schemeClr val="lt1"/>
+          </a:fontRef>
+        </p:style>
+        <p:txBody>
+          <a:bodyPr rtlCol="0" anchor="ctr"/>
+          <a:lstStyle/>
+          <a:p>
+            <a:pPr algn="ctr"/>
+            <a:endParaRPr lang="en-US"/>
+          </a:p>
+        </p:txBody>
+      </p:sp>
+      <p:sp>
+        <p:nvSpPr>
+          <p:cNvPr id="29" name="TextBox 28"/>
+          <p:cNvSpPr txBox="1"/>
+          <p:nvPr/>
+        </p:nvSpPr>
+        <p:spPr>
+          <a:xfrm>
+            <a:off x="6818673" y="3913903"/>
+            <a:ext cx="1470868" cy="369332"/>
+          </a:xfrm>
+          <a:prstGeom prst="rect">
+            <a:avLst/>
+          </a:prstGeom>
+          <a:noFill/>
+        </p:spPr>
+        <p:txBody>
+          <a:bodyPr wrap="square" rtlCol="0">
+            <a:spAutoFit/>
+          </a:bodyPr>
+          <a:lstStyle/>
+          <a:p>
+            <a:pPr algn="ctr"/>
+            <a:r>
+              <a:rPr lang="en-US" dirty="0" smtClean="0"/>
+              <a:t>Debugging</a:t>
+            </a:r>
+            <a:endParaRPr lang="en-US" dirty="0"/>
+          </a:p>
+        </p:txBody>
+      </p:sp>
+      <p:sp>
+        <p:nvSpPr>
+          <p:cNvPr id="30" name="TextBox 29"/>
+          <p:cNvSpPr txBox="1"/>
+          <p:nvPr/>
+        </p:nvSpPr>
+        <p:spPr>
+          <a:xfrm>
+            <a:off x="6213121" y="926001"/>
+            <a:ext cx="2930879" cy="1200329"/>
+          </a:xfrm>
+          <a:prstGeom prst="rect">
+            <a:avLst/>
+          </a:prstGeom>
+          <a:noFill/>
+        </p:spPr>
+        <p:txBody>
+          <a:bodyPr wrap="square" rtlCol="0">
+            <a:spAutoFit/>
+          </a:bodyPr>
+          <a:lstStyle/>
+          <a:p>
+            <a:pPr algn="ctr"/>
+            <a:r>
+              <a:rPr lang="en-US" dirty="0" smtClean="0"/>
+              <a:t>Live Debugging aims to bring software debugging in the “live” lifecycle by doing on-the-fly debugging in parallel</a:t>
+            </a:r>
+            <a:endParaRPr lang="en-US" dirty="0"/>
+          </a:p>
+        </p:txBody>
+      </p:sp>
+    </p:spTree>
+    <p:extLst>
+      <p:ext uri="{BB962C8B-B14F-4D97-AF65-F5344CB8AC3E}">
+        <p14:creationId xmlns:p14="http://schemas.microsoft.com/office/powerpoint/2010/main" val="917430681"/>
       </p:ext>
     </p:extLst>
   </p:cSld>
